--- a/practical_class/class_ppt/0505程一實習.pptx
+++ b/practical_class/class_ppt/0505程一實習.pptx
@@ -5,7 +5,7 @@
     <p:sldMasterId id="2147483648" r:id="rId1"/>
   </p:sldMasterIdLst>
   <p:notesMasterIdLst>
-    <p:notesMasterId r:id="rId26"/>
+    <p:notesMasterId r:id="rId27"/>
   </p:notesMasterIdLst>
   <p:sldIdLst>
     <p:sldId id="256" r:id="rId2"/>
@@ -20,18 +20,19 @@
     <p:sldId id="279" r:id="rId11"/>
     <p:sldId id="282" r:id="rId12"/>
     <p:sldId id="278" r:id="rId13"/>
-    <p:sldId id="281" r:id="rId14"/>
-    <p:sldId id="285" r:id="rId15"/>
-    <p:sldId id="284" r:id="rId16"/>
-    <p:sldId id="286" r:id="rId17"/>
-    <p:sldId id="290" r:id="rId18"/>
-    <p:sldId id="291" r:id="rId19"/>
-    <p:sldId id="283" r:id="rId20"/>
-    <p:sldId id="257" r:id="rId21"/>
-    <p:sldId id="270" r:id="rId22"/>
-    <p:sldId id="287" r:id="rId23"/>
-    <p:sldId id="288" r:id="rId24"/>
-    <p:sldId id="289" r:id="rId25"/>
+    <p:sldId id="292" r:id="rId14"/>
+    <p:sldId id="281" r:id="rId15"/>
+    <p:sldId id="285" r:id="rId16"/>
+    <p:sldId id="284" r:id="rId17"/>
+    <p:sldId id="286" r:id="rId18"/>
+    <p:sldId id="290" r:id="rId19"/>
+    <p:sldId id="291" r:id="rId20"/>
+    <p:sldId id="283" r:id="rId21"/>
+    <p:sldId id="257" r:id="rId22"/>
+    <p:sldId id="270" r:id="rId23"/>
+    <p:sldId id="287" r:id="rId24"/>
+    <p:sldId id="288" r:id="rId25"/>
+    <p:sldId id="289" r:id="rId26"/>
   </p:sldIdLst>
   <p:sldSz cx="12192000" cy="6858000"/>
   <p:notesSz cx="6858000" cy="9144000"/>
@@ -663,7 +664,7 @@
           <a:p>
             <a:fld id="{92CD3976-0A53-43C7-A43E-A2410759C6DA}" type="slidenum">
               <a:rPr lang="zh-TW" altLang="en-US" smtClean="0"/>
-              <a:t>20</a:t>
+              <a:t>21</a:t>
             </a:fld>
             <a:endParaRPr lang="zh-TW" altLang="en-US"/>
           </a:p>
@@ -4303,7 +4304,7 @@
           <p:cNvPr id="2" name="標題 1">
             <a:extLst>
               <a:ext uri="{FF2B5EF4-FFF2-40B4-BE49-F238E27FC236}">
-                <a16:creationId xmlns:a16="http://schemas.microsoft.com/office/drawing/2014/main" id="{EBB7704C-3DCE-4638-8302-5B4BE748B323}"/>
+                <a16:creationId xmlns:a16="http://schemas.microsoft.com/office/drawing/2014/main" id="{6CBB9834-8325-43E6-863D-8264CC7887CB}"/>
               </a:ext>
             </a:extLst>
           </p:cNvPr>
@@ -4322,89 +4323,49 @@
             <a:pPr algn="ctr"/>
             <a:r>
               <a:rPr lang="zh-TW" altLang="en-US" dirty="0"/>
-              <a:t>練習</a:t>
-            </a:r>
-            <a:r>
-              <a:rPr lang="en-US" altLang="zh-TW" dirty="0"/>
-              <a:t>1</a:t>
-            </a:r>
-            <a:endParaRPr lang="zh-TW" altLang="en-US" dirty="0"/>
-          </a:p>
-        </p:txBody>
-      </p:sp>
-      <p:sp>
-        <p:nvSpPr>
-          <p:cNvPr id="3" name="內容版面配置區 2">
-            <a:extLst>
-              <a:ext uri="{FF2B5EF4-FFF2-40B4-BE49-F238E27FC236}">
-                <a16:creationId xmlns:a16="http://schemas.microsoft.com/office/drawing/2014/main" id="{06041DC2-612A-4F63-BD41-3DA362ACEA27}"/>
-              </a:ext>
-            </a:extLst>
-          </p:cNvPr>
-          <p:cNvSpPr>
-            <a:spLocks noGrp="1"/>
-          </p:cNvSpPr>
+              <a:t>不定長度的輸入</a:t>
+            </a:r>
+          </a:p>
+        </p:txBody>
+      </p:sp>
+      <p:pic>
+        <p:nvPicPr>
+          <p:cNvPr id="5" name="內容版面配置區 4">
+            <a:extLst>
+              <a:ext uri="{FF2B5EF4-FFF2-40B4-BE49-F238E27FC236}">
+                <a16:creationId xmlns:a16="http://schemas.microsoft.com/office/drawing/2014/main" id="{4CBFCBC8-1E86-4A20-BBF1-7B737EFB3E45}"/>
+              </a:ext>
+            </a:extLst>
+          </p:cNvPr>
+          <p:cNvPicPr>
+            <a:picLocks noGrp="1" noChangeAspect="1"/>
+          </p:cNvPicPr>
           <p:nvPr>
             <p:ph idx="1"/>
           </p:nvPr>
-        </p:nvSpPr>
-        <p:spPr/>
-        <p:txBody>
-          <a:bodyPr>
-            <a:normAutofit/>
-          </a:bodyPr>
-          <a:lstStyle/>
-          <a:p>
-            <a:r>
-              <a:rPr lang="zh-TW" altLang="en-US" sz="4000" dirty="0"/>
-              <a:t>把一字串 </a:t>
-            </a:r>
-            <a:r>
-              <a:rPr lang="en-US" altLang="zh-TW" sz="4000" dirty="0"/>
-              <a:t>”I am a </a:t>
-            </a:r>
-            <a:r>
-              <a:rPr lang="en-US" altLang="zh-TW" sz="4000" dirty="0">
-                <a:solidFill>
-                  <a:srgbClr val="FFFF00"/>
-                </a:solidFill>
-              </a:rPr>
-              <a:t>student</a:t>
-            </a:r>
-            <a:r>
-              <a:rPr lang="en-US" altLang="zh-TW" sz="4000" dirty="0"/>
-              <a:t>” </a:t>
-            </a:r>
-            <a:r>
-              <a:rPr lang="zh-TW" altLang="en-US" sz="4000" dirty="0"/>
-              <a:t>替換成 </a:t>
-            </a:r>
-            <a:r>
-              <a:rPr lang="en-US" altLang="zh-TW" sz="4000" dirty="0"/>
-              <a:t>”I am a </a:t>
-            </a:r>
-            <a:r>
-              <a:rPr lang="en-US" altLang="zh-TW" sz="4000" dirty="0">
-                <a:solidFill>
-                  <a:srgbClr val="FFFF00"/>
-                </a:solidFill>
-              </a:rPr>
-              <a:t>good guy</a:t>
-            </a:r>
-            <a:r>
-              <a:rPr lang="en-US" altLang="zh-TW" sz="4000" dirty="0"/>
-              <a:t>”</a:t>
-            </a:r>
-          </a:p>
-          <a:p>
-            <a:endParaRPr lang="en-US" altLang="zh-TW" sz="4000" dirty="0"/>
-          </a:p>
-        </p:txBody>
-      </p:sp>
+        </p:nvPicPr>
+        <p:blipFill rotWithShape="1">
+          <a:blip r:embed="rId2">
+            <a:extLst>
+              <a:ext uri="{28A0092B-C50C-407E-A947-70E740481C1C}">
+                <a14:useLocalDpi xmlns:a14="http://schemas.microsoft.com/office/drawing/2010/main" val="0"/>
+              </a:ext>
+            </a:extLst>
+          </a:blip>
+          <a:srcRect t="2536" b="1"/>
+          <a:stretch/>
+        </p:blipFill>
+        <p:spPr>
+          <a:xfrm>
+            <a:off x="1298167" y="2425958"/>
+            <a:ext cx="9595665" cy="2880353"/>
+          </a:xfrm>
+        </p:spPr>
+      </p:pic>
     </p:spTree>
     <p:extLst>
       <p:ext uri="{BB962C8B-B14F-4D97-AF65-F5344CB8AC3E}">
-        <p14:creationId xmlns:p14="http://schemas.microsoft.com/office/powerpoint/2010/main" val="3785841497"/>
+        <p14:creationId xmlns:p14="http://schemas.microsoft.com/office/powerpoint/2010/main" val="3013620723"/>
       </p:ext>
     </p:extLst>
   </p:cSld>
@@ -4436,7 +4397,7 @@
           <p:cNvPr id="2" name="標題 1">
             <a:extLst>
               <a:ext uri="{FF2B5EF4-FFF2-40B4-BE49-F238E27FC236}">
-                <a16:creationId xmlns:a16="http://schemas.microsoft.com/office/drawing/2014/main" id="{115EE1CE-BB03-4AA2-918C-B2982961CA45}"/>
+                <a16:creationId xmlns:a16="http://schemas.microsoft.com/office/drawing/2014/main" id="{EBB7704C-3DCE-4638-8302-5B4BE748B323}"/>
               </a:ext>
             </a:extLst>
           </p:cNvPr>
@@ -4452,49 +4413,92 @@
           <a:bodyPr/>
           <a:lstStyle/>
           <a:p>
-            <a:endParaRPr lang="zh-TW" altLang="en-US"/>
-          </a:p>
-        </p:txBody>
-      </p:sp>
-      <p:pic>
-        <p:nvPicPr>
-          <p:cNvPr id="5" name="內容版面配置區 4">
-            <a:extLst>
-              <a:ext uri="{FF2B5EF4-FFF2-40B4-BE49-F238E27FC236}">
-                <a16:creationId xmlns:a16="http://schemas.microsoft.com/office/drawing/2014/main" id="{3E337903-16CB-4B47-AE82-C43C6CE6127C}"/>
-              </a:ext>
-            </a:extLst>
-          </p:cNvPr>
-          <p:cNvPicPr>
-            <a:picLocks noGrp="1" noChangeAspect="1"/>
-          </p:cNvPicPr>
+            <a:pPr algn="ctr"/>
+            <a:r>
+              <a:rPr lang="zh-TW" altLang="en-US" dirty="0"/>
+              <a:t>練習</a:t>
+            </a:r>
+            <a:r>
+              <a:rPr lang="en-US" altLang="zh-TW" dirty="0"/>
+              <a:t>1</a:t>
+            </a:r>
+            <a:endParaRPr lang="zh-TW" altLang="en-US" dirty="0"/>
+          </a:p>
+        </p:txBody>
+      </p:sp>
+      <p:sp>
+        <p:nvSpPr>
+          <p:cNvPr id="3" name="內容版面配置區 2">
+            <a:extLst>
+              <a:ext uri="{FF2B5EF4-FFF2-40B4-BE49-F238E27FC236}">
+                <a16:creationId xmlns:a16="http://schemas.microsoft.com/office/drawing/2014/main" id="{06041DC2-612A-4F63-BD41-3DA362ACEA27}"/>
+              </a:ext>
+            </a:extLst>
+          </p:cNvPr>
+          <p:cNvSpPr>
+            <a:spLocks noGrp="1"/>
+          </p:cNvSpPr>
           <p:nvPr>
             <p:ph idx="1"/>
           </p:nvPr>
-        </p:nvPicPr>
-        <p:blipFill>
-          <a:blip r:embed="rId2">
-            <a:extLst>
-              <a:ext uri="{28A0092B-C50C-407E-A947-70E740481C1C}">
-                <a14:useLocalDpi xmlns:a14="http://schemas.microsoft.com/office/drawing/2010/main" val="0"/>
-              </a:ext>
-            </a:extLst>
-          </a:blip>
-          <a:stretch>
-            <a:fillRect/>
-          </a:stretch>
-        </p:blipFill>
-        <p:spPr>
-          <a:xfrm>
-            <a:off x="123806" y="1613077"/>
-            <a:ext cx="11944388" cy="3490724"/>
-          </a:xfrm>
-        </p:spPr>
-      </p:pic>
+        </p:nvSpPr>
+        <p:spPr/>
+        <p:txBody>
+          <a:bodyPr>
+            <a:normAutofit/>
+          </a:bodyPr>
+          <a:lstStyle/>
+          <a:p>
+            <a:r>
+              <a:rPr lang="zh-TW" altLang="en-US" sz="4000" dirty="0"/>
+              <a:t>把一字串 </a:t>
+            </a:r>
+            <a:r>
+              <a:rPr lang="en-US" altLang="zh-TW" sz="4000" dirty="0"/>
+              <a:t>”I am a </a:t>
+            </a:r>
+            <a:r>
+              <a:rPr lang="en-US" altLang="zh-TW" sz="4000" dirty="0">
+                <a:solidFill>
+                  <a:srgbClr val="FFFF00"/>
+                </a:solidFill>
+              </a:rPr>
+              <a:t>student</a:t>
+            </a:r>
+            <a:r>
+              <a:rPr lang="en-US" altLang="zh-TW" sz="4000" dirty="0"/>
+              <a:t>” </a:t>
+            </a:r>
+            <a:r>
+              <a:rPr lang="zh-TW" altLang="en-US" sz="4000" dirty="0"/>
+              <a:t>替換成 </a:t>
+            </a:r>
+            <a:r>
+              <a:rPr lang="en-US" altLang="zh-TW" sz="4000" dirty="0"/>
+              <a:t>”I am a </a:t>
+            </a:r>
+            <a:r>
+              <a:rPr lang="en-US" altLang="zh-TW" sz="4000" dirty="0">
+                <a:solidFill>
+                  <a:srgbClr val="FFFF00"/>
+                </a:solidFill>
+              </a:rPr>
+              <a:t>good guy</a:t>
+            </a:r>
+            <a:r>
+              <a:rPr lang="en-US" altLang="zh-TW" sz="4000" dirty="0"/>
+              <a:t>”</a:t>
+            </a:r>
+          </a:p>
+          <a:p>
+            <a:endParaRPr lang="en-US" altLang="zh-TW" sz="4000" dirty="0"/>
+          </a:p>
+        </p:txBody>
+      </p:sp>
     </p:spTree>
     <p:extLst>
       <p:ext uri="{BB962C8B-B14F-4D97-AF65-F5344CB8AC3E}">
-        <p14:creationId xmlns:p14="http://schemas.microsoft.com/office/powerpoint/2010/main" val="1610790157"/>
+        <p14:creationId xmlns:p14="http://schemas.microsoft.com/office/powerpoint/2010/main" val="3785841497"/>
       </p:ext>
     </p:extLst>
   </p:cSld>
@@ -4526,7 +4530,7 @@
           <p:cNvPr id="2" name="標題 1">
             <a:extLst>
               <a:ext uri="{FF2B5EF4-FFF2-40B4-BE49-F238E27FC236}">
-                <a16:creationId xmlns:a16="http://schemas.microsoft.com/office/drawing/2014/main" id="{8A142E14-AD69-4027-9DD0-662B3B20A547}"/>
+                <a16:creationId xmlns:a16="http://schemas.microsoft.com/office/drawing/2014/main" id="{115EE1CE-BB03-4AA2-918C-B2982961CA45}"/>
               </a:ext>
             </a:extLst>
           </p:cNvPr>
@@ -4542,92 +4546,49 @@
           <a:bodyPr/>
           <a:lstStyle/>
           <a:p>
-            <a:pPr algn="ctr"/>
-            <a:r>
-              <a:rPr lang="zh-TW" altLang="en-US" dirty="0"/>
-              <a:t>練習</a:t>
-            </a:r>
-            <a:r>
-              <a:rPr lang="en-US" altLang="zh-TW" dirty="0"/>
-              <a:t>2</a:t>
-            </a:r>
-            <a:endParaRPr lang="zh-TW" altLang="en-US" dirty="0"/>
-          </a:p>
-        </p:txBody>
-      </p:sp>
-      <p:sp>
-        <p:nvSpPr>
-          <p:cNvPr id="3" name="內容版面配置區 2">
-            <a:extLst>
-              <a:ext uri="{FF2B5EF4-FFF2-40B4-BE49-F238E27FC236}">
-                <a16:creationId xmlns:a16="http://schemas.microsoft.com/office/drawing/2014/main" id="{88F5C555-AFB8-4CE1-B45B-D6B54DB9E2E0}"/>
-              </a:ext>
-            </a:extLst>
-          </p:cNvPr>
-          <p:cNvSpPr>
-            <a:spLocks noGrp="1"/>
-          </p:cNvSpPr>
+            <a:endParaRPr lang="zh-TW" altLang="en-US"/>
+          </a:p>
+        </p:txBody>
+      </p:sp>
+      <p:pic>
+        <p:nvPicPr>
+          <p:cNvPr id="5" name="內容版面配置區 4">
+            <a:extLst>
+              <a:ext uri="{FF2B5EF4-FFF2-40B4-BE49-F238E27FC236}">
+                <a16:creationId xmlns:a16="http://schemas.microsoft.com/office/drawing/2014/main" id="{3E337903-16CB-4B47-AE82-C43C6CE6127C}"/>
+              </a:ext>
+            </a:extLst>
+          </p:cNvPr>
+          <p:cNvPicPr>
+            <a:picLocks noGrp="1" noChangeAspect="1"/>
+          </p:cNvPicPr>
           <p:nvPr>
             <p:ph idx="1"/>
           </p:nvPr>
-        </p:nvSpPr>
-        <p:spPr/>
-        <p:txBody>
-          <a:bodyPr>
-            <a:normAutofit/>
-          </a:bodyPr>
-          <a:lstStyle/>
-          <a:p>
-            <a:r>
-              <a:rPr lang="zh-TW" altLang="en-US" sz="4000" dirty="0"/>
-              <a:t>給使用者輸入一數並用</a:t>
-            </a:r>
-            <a:r>
-              <a:rPr lang="en-US" altLang="zh-TW" sz="4000" dirty="0"/>
-              <a:t>string</a:t>
-            </a:r>
-            <a:r>
-              <a:rPr lang="zh-TW" altLang="en-US" sz="4000" dirty="0"/>
-              <a:t>儲存，最後把數字加一並輸出。</a:t>
-            </a:r>
-            <a:endParaRPr lang="en-US" altLang="zh-TW" sz="4000" dirty="0"/>
-          </a:p>
-          <a:p>
-            <a:pPr marL="0" indent="0">
-              <a:buNone/>
-            </a:pPr>
-            <a:r>
-              <a:rPr lang="zh-TW" altLang="en-US" sz="4000" dirty="0"/>
-              <a:t>  </a:t>
-            </a:r>
-            <a:r>
-              <a:rPr lang="en-US" altLang="zh-TW" sz="4000" dirty="0"/>
-              <a:t>(google</a:t>
-            </a:r>
-            <a:r>
-              <a:rPr lang="zh-TW" altLang="en-US" sz="4000" dirty="0"/>
-              <a:t>查 </a:t>
-            </a:r>
-            <a:r>
-              <a:rPr lang="en-US" altLang="zh-TW" sz="4000" dirty="0"/>
-              <a:t>“string to int”</a:t>
-            </a:r>
-            <a:r>
-              <a:rPr lang="zh-TW" altLang="en-US" sz="4000" dirty="0"/>
-              <a:t> 找相關函數使用</a:t>
-            </a:r>
-            <a:r>
-              <a:rPr lang="en-US" altLang="zh-TW" sz="4000" dirty="0"/>
-              <a:t>)</a:t>
-            </a:r>
-            <a:endParaRPr lang="zh-TW" altLang="en-US" sz="4000" dirty="0"/>
-          </a:p>
-        </p:txBody>
-      </p:sp>
+        </p:nvPicPr>
+        <p:blipFill>
+          <a:blip r:embed="rId2">
+            <a:extLst>
+              <a:ext uri="{28A0092B-C50C-407E-A947-70E740481C1C}">
+                <a14:useLocalDpi xmlns:a14="http://schemas.microsoft.com/office/drawing/2010/main" val="0"/>
+              </a:ext>
+            </a:extLst>
+          </a:blip>
+          <a:stretch>
+            <a:fillRect/>
+          </a:stretch>
+        </p:blipFill>
+        <p:spPr>
+          <a:xfrm>
+            <a:off x="123806" y="1613077"/>
+            <a:ext cx="11944388" cy="3490724"/>
+          </a:xfrm>
+        </p:spPr>
+      </p:pic>
     </p:spTree>
     <p:extLst>
       <p:ext uri="{BB962C8B-B14F-4D97-AF65-F5344CB8AC3E}">
-        <p14:creationId xmlns:p14="http://schemas.microsoft.com/office/powerpoint/2010/main" val="2298936766"/>
+        <p14:creationId xmlns:p14="http://schemas.microsoft.com/office/powerpoint/2010/main" val="1610790157"/>
       </p:ext>
     </p:extLst>
   </p:cSld>
@@ -4659,7 +4620,7 @@
           <p:cNvPr id="2" name="標題 1">
             <a:extLst>
               <a:ext uri="{FF2B5EF4-FFF2-40B4-BE49-F238E27FC236}">
-                <a16:creationId xmlns:a16="http://schemas.microsoft.com/office/drawing/2014/main" id="{2348224A-D374-4FA8-BBF1-EE2B79EB8FEF}"/>
+                <a16:creationId xmlns:a16="http://schemas.microsoft.com/office/drawing/2014/main" id="{8A142E14-AD69-4027-9DD0-662B3B20A547}"/>
               </a:ext>
             </a:extLst>
           </p:cNvPr>
@@ -4675,49 +4636,92 @@
           <a:bodyPr/>
           <a:lstStyle/>
           <a:p>
-            <a:endParaRPr lang="zh-TW" altLang="en-US"/>
-          </a:p>
-        </p:txBody>
-      </p:sp>
-      <p:pic>
-        <p:nvPicPr>
-          <p:cNvPr id="5" name="內容版面配置區 4">
-            <a:extLst>
-              <a:ext uri="{FF2B5EF4-FFF2-40B4-BE49-F238E27FC236}">
-                <a16:creationId xmlns:a16="http://schemas.microsoft.com/office/drawing/2014/main" id="{FEE2D489-D692-4B91-9F21-AF81E8770CF6}"/>
-              </a:ext>
-            </a:extLst>
-          </p:cNvPr>
-          <p:cNvPicPr>
-            <a:picLocks noGrp="1" noChangeAspect="1"/>
-          </p:cNvPicPr>
+            <a:pPr algn="ctr"/>
+            <a:r>
+              <a:rPr lang="zh-TW" altLang="en-US" dirty="0"/>
+              <a:t>練習</a:t>
+            </a:r>
+            <a:r>
+              <a:rPr lang="en-US" altLang="zh-TW" dirty="0"/>
+              <a:t>2</a:t>
+            </a:r>
+            <a:endParaRPr lang="zh-TW" altLang="en-US" dirty="0"/>
+          </a:p>
+        </p:txBody>
+      </p:sp>
+      <p:sp>
+        <p:nvSpPr>
+          <p:cNvPr id="3" name="內容版面配置區 2">
+            <a:extLst>
+              <a:ext uri="{FF2B5EF4-FFF2-40B4-BE49-F238E27FC236}">
+                <a16:creationId xmlns:a16="http://schemas.microsoft.com/office/drawing/2014/main" id="{88F5C555-AFB8-4CE1-B45B-D6B54DB9E2E0}"/>
+              </a:ext>
+            </a:extLst>
+          </p:cNvPr>
+          <p:cNvSpPr>
+            <a:spLocks noGrp="1"/>
+          </p:cNvSpPr>
           <p:nvPr>
             <p:ph idx="1"/>
           </p:nvPr>
-        </p:nvPicPr>
-        <p:blipFill>
-          <a:blip r:embed="rId2">
-            <a:extLst>
-              <a:ext uri="{28A0092B-C50C-407E-A947-70E740481C1C}">
-                <a14:useLocalDpi xmlns:a14="http://schemas.microsoft.com/office/drawing/2010/main" val="0"/>
-              </a:ext>
-            </a:extLst>
-          </a:blip>
-          <a:stretch>
-            <a:fillRect/>
-          </a:stretch>
-        </p:blipFill>
-        <p:spPr>
-          <a:xfrm>
-            <a:off x="1818141" y="1027906"/>
-            <a:ext cx="9106451" cy="5042415"/>
-          </a:xfrm>
-        </p:spPr>
-      </p:pic>
+        </p:nvSpPr>
+        <p:spPr/>
+        <p:txBody>
+          <a:bodyPr>
+            <a:normAutofit/>
+          </a:bodyPr>
+          <a:lstStyle/>
+          <a:p>
+            <a:r>
+              <a:rPr lang="zh-TW" altLang="en-US" sz="4000" dirty="0"/>
+              <a:t>給使用者輸入一數並用</a:t>
+            </a:r>
+            <a:r>
+              <a:rPr lang="en-US" altLang="zh-TW" sz="4000" dirty="0"/>
+              <a:t>string</a:t>
+            </a:r>
+            <a:r>
+              <a:rPr lang="zh-TW" altLang="en-US" sz="4000" dirty="0"/>
+              <a:t>儲存，最後把數字加一並輸出。</a:t>
+            </a:r>
+            <a:endParaRPr lang="en-US" altLang="zh-TW" sz="4000" dirty="0"/>
+          </a:p>
+          <a:p>
+            <a:pPr marL="0" indent="0">
+              <a:buNone/>
+            </a:pPr>
+            <a:r>
+              <a:rPr lang="zh-TW" altLang="en-US" sz="4000" dirty="0"/>
+              <a:t>  </a:t>
+            </a:r>
+            <a:r>
+              <a:rPr lang="en-US" altLang="zh-TW" sz="4000" dirty="0"/>
+              <a:t>(google</a:t>
+            </a:r>
+            <a:r>
+              <a:rPr lang="zh-TW" altLang="en-US" sz="4000" dirty="0"/>
+              <a:t>查 </a:t>
+            </a:r>
+            <a:r>
+              <a:rPr lang="en-US" altLang="zh-TW" sz="4000" dirty="0"/>
+              <a:t>“string to int”</a:t>
+            </a:r>
+            <a:r>
+              <a:rPr lang="zh-TW" altLang="en-US" sz="4000" dirty="0"/>
+              <a:t> 找相關函數使用</a:t>
+            </a:r>
+            <a:r>
+              <a:rPr lang="en-US" altLang="zh-TW" sz="4000" dirty="0"/>
+              <a:t>)</a:t>
+            </a:r>
+            <a:endParaRPr lang="zh-TW" altLang="en-US" sz="4000" dirty="0"/>
+          </a:p>
+        </p:txBody>
+      </p:sp>
     </p:spTree>
     <p:extLst>
       <p:ext uri="{BB962C8B-B14F-4D97-AF65-F5344CB8AC3E}">
-        <p14:creationId xmlns:p14="http://schemas.microsoft.com/office/powerpoint/2010/main" val="318653161"/>
+        <p14:creationId xmlns:p14="http://schemas.microsoft.com/office/powerpoint/2010/main" val="2298936766"/>
       </p:ext>
     </p:extLst>
   </p:cSld>
@@ -4749,6 +4753,96 @@
           <p:cNvPr id="2" name="標題 1">
             <a:extLst>
               <a:ext uri="{FF2B5EF4-FFF2-40B4-BE49-F238E27FC236}">
+                <a16:creationId xmlns:a16="http://schemas.microsoft.com/office/drawing/2014/main" id="{2348224A-D374-4FA8-BBF1-EE2B79EB8FEF}"/>
+              </a:ext>
+            </a:extLst>
+          </p:cNvPr>
+          <p:cNvSpPr>
+            <a:spLocks noGrp="1"/>
+          </p:cNvSpPr>
+          <p:nvPr>
+            <p:ph type="title"/>
+          </p:nvPr>
+        </p:nvSpPr>
+        <p:spPr/>
+        <p:txBody>
+          <a:bodyPr/>
+          <a:lstStyle/>
+          <a:p>
+            <a:endParaRPr lang="zh-TW" altLang="en-US"/>
+          </a:p>
+        </p:txBody>
+      </p:sp>
+      <p:pic>
+        <p:nvPicPr>
+          <p:cNvPr id="5" name="內容版面配置區 4">
+            <a:extLst>
+              <a:ext uri="{FF2B5EF4-FFF2-40B4-BE49-F238E27FC236}">
+                <a16:creationId xmlns:a16="http://schemas.microsoft.com/office/drawing/2014/main" id="{FEE2D489-D692-4B91-9F21-AF81E8770CF6}"/>
+              </a:ext>
+            </a:extLst>
+          </p:cNvPr>
+          <p:cNvPicPr>
+            <a:picLocks noGrp="1" noChangeAspect="1"/>
+          </p:cNvPicPr>
+          <p:nvPr>
+            <p:ph idx="1"/>
+          </p:nvPr>
+        </p:nvPicPr>
+        <p:blipFill>
+          <a:blip r:embed="rId2">
+            <a:extLst>
+              <a:ext uri="{28A0092B-C50C-407E-A947-70E740481C1C}">
+                <a14:useLocalDpi xmlns:a14="http://schemas.microsoft.com/office/drawing/2010/main" val="0"/>
+              </a:ext>
+            </a:extLst>
+          </a:blip>
+          <a:stretch>
+            <a:fillRect/>
+          </a:stretch>
+        </p:blipFill>
+        <p:spPr>
+          <a:xfrm>
+            <a:off x="1818141" y="1027906"/>
+            <a:ext cx="9106451" cy="5042415"/>
+          </a:xfrm>
+        </p:spPr>
+      </p:pic>
+    </p:spTree>
+    <p:extLst>
+      <p:ext uri="{BB962C8B-B14F-4D97-AF65-F5344CB8AC3E}">
+        <p14:creationId xmlns:p14="http://schemas.microsoft.com/office/powerpoint/2010/main" val="318653161"/>
+      </p:ext>
+    </p:extLst>
+  </p:cSld>
+  <p:clrMapOvr>
+    <a:masterClrMapping/>
+  </p:clrMapOvr>
+</p:sld>
+</file>
+
+<file path=ppt/slides/slide18.xml><?xml version="1.0" encoding="utf-8"?>
+<p:sld xmlns:a="http://schemas.openxmlformats.org/drawingml/2006/main" xmlns:r="http://schemas.openxmlformats.org/officeDocument/2006/relationships" xmlns:p="http://schemas.openxmlformats.org/presentationml/2006/main">
+  <p:cSld>
+    <p:spTree>
+      <p:nvGrpSpPr>
+        <p:cNvPr id="1" name=""/>
+        <p:cNvGrpSpPr/>
+        <p:nvPr/>
+      </p:nvGrpSpPr>
+      <p:grpSpPr>
+        <a:xfrm>
+          <a:off x="0" y="0"/>
+          <a:ext cx="0" cy="0"/>
+          <a:chOff x="0" y="0"/>
+          <a:chExt cx="0" cy="0"/>
+        </a:xfrm>
+      </p:grpSpPr>
+      <p:sp>
+        <p:nvSpPr>
+          <p:cNvPr id="2" name="標題 1">
+            <a:extLst>
+              <a:ext uri="{FF2B5EF4-FFF2-40B4-BE49-F238E27FC236}">
                 <a16:creationId xmlns:a16="http://schemas.microsoft.com/office/drawing/2014/main" id="{0D2AFC79-E6DF-484C-BEB6-A0C407A7A33B}"/>
               </a:ext>
             </a:extLst>
@@ -4817,7 +4911,7 @@
 </p:sld>
 </file>
 
-<file path=ppt/slides/slide18.xml><?xml version="1.0" encoding="utf-8"?>
+<file path=ppt/slides/slide19.xml><?xml version="1.0" encoding="utf-8"?>
 <p:sld xmlns:a="http://schemas.openxmlformats.org/drawingml/2006/main" xmlns:r="http://schemas.openxmlformats.org/officeDocument/2006/relationships" xmlns:p="http://schemas.openxmlformats.org/presentationml/2006/main">
   <p:cSld>
     <p:spTree>
@@ -5064,80 +5158,6 @@
 </p:sld>
 </file>
 
-<file path=ppt/slides/slide19.xml><?xml version="1.0" encoding="utf-8"?>
-<p:sld xmlns:a="http://schemas.openxmlformats.org/drawingml/2006/main" xmlns:r="http://schemas.openxmlformats.org/officeDocument/2006/relationships" xmlns:p="http://schemas.openxmlformats.org/presentationml/2006/main">
-  <p:cSld>
-    <p:spTree>
-      <p:nvGrpSpPr>
-        <p:cNvPr id="1" name=""/>
-        <p:cNvGrpSpPr/>
-        <p:nvPr/>
-      </p:nvGrpSpPr>
-      <p:grpSpPr>
-        <a:xfrm>
-          <a:off x="0" y="0"/>
-          <a:ext cx="0" cy="0"/>
-          <a:chOff x="0" y="0"/>
-          <a:chExt cx="0" cy="0"/>
-        </a:xfrm>
-      </p:grpSpPr>
-      <p:sp>
-        <p:nvSpPr>
-          <p:cNvPr id="2" name="標題 1">
-            <a:extLst>
-              <a:ext uri="{FF2B5EF4-FFF2-40B4-BE49-F238E27FC236}">
-                <a16:creationId xmlns:a16="http://schemas.microsoft.com/office/drawing/2014/main" id="{C173C03E-7EA2-4513-AD12-76A10AB65E1D}"/>
-              </a:ext>
-            </a:extLst>
-          </p:cNvPr>
-          <p:cNvSpPr>
-            <a:spLocks noGrp="1"/>
-          </p:cNvSpPr>
-          <p:nvPr>
-            <p:ph type="title"/>
-          </p:nvPr>
-        </p:nvSpPr>
-        <p:spPr>
-          <a:xfrm>
-            <a:off x="735563" y="2305893"/>
-            <a:ext cx="10515600" cy="1325563"/>
-          </a:xfrm>
-        </p:spPr>
-        <p:txBody>
-          <a:bodyPr>
-            <a:normAutofit/>
-          </a:bodyPr>
-          <a:lstStyle/>
-          <a:p>
-            <a:pPr algn="ctr"/>
-            <a:r>
-              <a:rPr lang="zh-TW" altLang="en-US" sz="6600" dirty="0"/>
-              <a:t>作業</a:t>
-            </a:r>
-            <a:r>
-              <a:rPr lang="en-US" altLang="zh-TW" sz="6600" dirty="0"/>
-              <a:t>3</a:t>
-            </a:r>
-            <a:r>
-              <a:rPr lang="zh-TW" altLang="en-US" sz="6600" dirty="0"/>
-              <a:t>說明</a:t>
-            </a:r>
-          </a:p>
-        </p:txBody>
-      </p:sp>
-    </p:spTree>
-    <p:extLst>
-      <p:ext uri="{BB962C8B-B14F-4D97-AF65-F5344CB8AC3E}">
-        <p14:creationId xmlns:p14="http://schemas.microsoft.com/office/powerpoint/2010/main" val="256114705"/>
-      </p:ext>
-    </p:extLst>
-  </p:cSld>
-  <p:clrMapOvr>
-    <a:masterClrMapping/>
-  </p:clrMapOvr>
-</p:sld>
-</file>
-
 <file path=ppt/slides/slide2.xml><?xml version="1.0" encoding="utf-8"?>
 <p:sld xmlns:a="http://schemas.openxmlformats.org/drawingml/2006/main" xmlns:r="http://schemas.openxmlformats.org/officeDocument/2006/relationships" xmlns:p="http://schemas.openxmlformats.org/presentationml/2006/main">
   <p:cSld>
@@ -5257,7 +5277,7 @@
           <p:cNvPr id="2" name="標題 1">
             <a:extLst>
               <a:ext uri="{FF2B5EF4-FFF2-40B4-BE49-F238E27FC236}">
-                <a16:creationId xmlns:a16="http://schemas.microsoft.com/office/drawing/2014/main" id="{0A00EBC9-71B2-4BDB-A608-CB078EECF455}"/>
+                <a16:creationId xmlns:a16="http://schemas.microsoft.com/office/drawing/2014/main" id="{C173C03E-7EA2-4513-AD12-76A10AB65E1D}"/>
               </a:ext>
             </a:extLst>
           </p:cNvPr>
@@ -5266,207 +5286,40 @@
           </p:cNvSpPr>
           <p:nvPr>
             <p:ph type="title"/>
-          </p:nvPr>
-        </p:nvSpPr>
-        <p:spPr/>
-        <p:txBody>
-          <a:bodyPr/>
-          <a:lstStyle/>
-          <a:p>
-            <a:pPr algn="ctr"/>
-            <a:r>
-              <a:rPr lang="zh-TW" altLang="en-US" dirty="0"/>
-              <a:t>檔案命名規則</a:t>
-            </a:r>
-          </a:p>
-        </p:txBody>
-      </p:sp>
-      <p:sp>
-        <p:nvSpPr>
-          <p:cNvPr id="3" name="內容版面配置區 2">
-            <a:extLst>
-              <a:ext uri="{FF2B5EF4-FFF2-40B4-BE49-F238E27FC236}">
-                <a16:creationId xmlns:a16="http://schemas.microsoft.com/office/drawing/2014/main" id="{F2703678-B255-4234-B670-300D8DE55A41}"/>
-              </a:ext>
-            </a:extLst>
-          </p:cNvPr>
-          <p:cNvSpPr>
-            <a:spLocks noGrp="1"/>
-          </p:cNvSpPr>
-          <p:nvPr>
-            <p:ph idx="1"/>
           </p:nvPr>
         </p:nvSpPr>
         <p:spPr>
           <a:xfrm>
-            <a:off x="838199" y="1825625"/>
-            <a:ext cx="11216951" cy="4351338"/>
+            <a:off x="735563" y="2305893"/>
+            <a:ext cx="10515600" cy="1325563"/>
           </a:xfrm>
         </p:spPr>
         <p:txBody>
           <a:bodyPr>
-            <a:normAutofit lnSpcReduction="10000"/>
+            <a:normAutofit/>
           </a:bodyPr>
           <a:lstStyle/>
           <a:p>
-            <a:r>
-              <a:rPr lang="zh-TW" altLang="en-US" sz="3600" dirty="0"/>
-              <a:t>名稱中不可以含有</a:t>
-            </a:r>
-            <a:r>
-              <a:rPr lang="en-US" altLang="zh-TW" sz="3600" dirty="0"/>
-              <a:t>\*?</a:t>
-            </a:r>
-            <a:r>
-              <a:rPr lang="zh-TW" altLang="en-US" sz="3600" dirty="0"/>
-              <a:t>」</a:t>
-            </a:r>
-            <a:r>
-              <a:rPr lang="en-US" altLang="zh-TW" sz="3600" dirty="0"/>
-              <a:t>&lt;&gt;|</a:t>
-            </a:r>
-            <a:r>
-              <a:rPr lang="zh-TW" altLang="en-US" sz="3600" dirty="0"/>
-              <a:t>等字元</a:t>
-            </a:r>
-            <a:endParaRPr lang="en-US" altLang="zh-TW" sz="3600" dirty="0"/>
-          </a:p>
-          <a:p>
-            <a:endParaRPr lang="en-US" altLang="zh-TW" sz="3600" dirty="0"/>
-          </a:p>
-          <a:p>
-            <a:r>
-              <a:rPr lang="zh-TW" altLang="en-US" sz="3600" dirty="0"/>
-              <a:t>盡量不要有</a:t>
-            </a:r>
-            <a:r>
-              <a:rPr lang="zh-TW" altLang="en-US" sz="3600" dirty="0">
-                <a:solidFill>
-                  <a:schemeClr val="accent4">
-                    <a:lumMod val="60000"/>
-                    <a:lumOff val="40000"/>
-                  </a:schemeClr>
-                </a:solidFill>
-              </a:rPr>
-              <a:t>空格</a:t>
-            </a:r>
-            <a:r>
-              <a:rPr lang="en-US" altLang="zh-TW" sz="3600" dirty="0">
-                <a:solidFill>
-                  <a:schemeClr val="accent4">
-                    <a:lumMod val="60000"/>
-                    <a:lumOff val="40000"/>
-                  </a:schemeClr>
-                </a:solidFill>
-              </a:rPr>
-              <a:t>		</a:t>
-            </a:r>
-            <a:r>
-              <a:rPr lang="en-US" altLang="zh-TW" sz="3600" dirty="0">
-                <a:solidFill>
-                  <a:prstClr val="white"/>
-                </a:solidFill>
-              </a:rPr>
-              <a:t>(ex. 1091234  1.cpp)</a:t>
-            </a:r>
-            <a:endParaRPr lang="en-US" altLang="zh-TW" sz="3600" dirty="0">
-              <a:solidFill>
-                <a:schemeClr val="accent4">
-                  <a:lumMod val="60000"/>
-                  <a:lumOff val="40000"/>
-                </a:schemeClr>
-              </a:solidFill>
-            </a:endParaRPr>
-          </a:p>
-          <a:p>
-            <a:endParaRPr lang="en-US" altLang="zh-TW" sz="3600" dirty="0"/>
-          </a:p>
-          <a:p>
-            <a:r>
-              <a:rPr lang="zh-TW" altLang="en-US" sz="3600" dirty="0"/>
-              <a:t>副檔名之前盡量不要有</a:t>
-            </a:r>
-            <a:r>
-              <a:rPr lang="en-US" altLang="zh-TW" sz="5400" dirty="0">
-                <a:solidFill>
-                  <a:schemeClr val="accent4">
-                    <a:lumMod val="60000"/>
-                    <a:lumOff val="40000"/>
-                  </a:schemeClr>
-                </a:solidFill>
-              </a:rPr>
-              <a:t>.</a:t>
-            </a:r>
-            <a:r>
-              <a:rPr lang="zh-TW" altLang="en-US" sz="3600" dirty="0">
-                <a:solidFill>
-                  <a:prstClr val="white"/>
-                </a:solidFill>
-              </a:rPr>
-              <a:t> </a:t>
-            </a:r>
-            <a:r>
-              <a:rPr lang="en-US" altLang="zh-TW" sz="3600" dirty="0">
-                <a:solidFill>
-                  <a:prstClr val="white"/>
-                </a:solidFill>
-              </a:rPr>
-              <a:t>	(ex. 1091234.test1.cpp)</a:t>
-            </a:r>
-            <a:endParaRPr lang="en-US" altLang="zh-TW" sz="5400" dirty="0"/>
-          </a:p>
-          <a:p>
-            <a:endParaRPr lang="en-US" altLang="zh-TW" sz="3600" dirty="0"/>
-          </a:p>
-          <a:p>
-            <a:r>
-              <a:rPr lang="zh-TW" altLang="en-US" sz="3600" dirty="0"/>
-              <a:t>檔案總管 </a:t>
-            </a:r>
-            <a:r>
-              <a:rPr lang="en-US" altLang="zh-TW" sz="3600" dirty="0"/>
-              <a:t>&gt;</a:t>
-            </a:r>
-            <a:r>
-              <a:rPr lang="zh-TW" altLang="en-US" sz="3600" dirty="0"/>
-              <a:t> 檢視 </a:t>
-            </a:r>
-            <a:r>
-              <a:rPr lang="en-US" altLang="zh-TW" sz="3600" dirty="0"/>
-              <a:t>&gt;</a:t>
-            </a:r>
-            <a:r>
-              <a:rPr lang="zh-TW" altLang="en-US" sz="3600" dirty="0"/>
-              <a:t> 顯示 </a:t>
-            </a:r>
-            <a:r>
-              <a:rPr lang="en-US" altLang="zh-TW" sz="3600" dirty="0"/>
-              <a:t>&gt; </a:t>
-            </a:r>
-            <a:r>
-              <a:rPr lang="zh-TW" altLang="en-US" sz="3600" dirty="0"/>
-              <a:t>副檔名  </a:t>
-            </a:r>
-            <a:r>
-              <a:rPr lang="en-US" altLang="zh-TW" sz="3600" dirty="0"/>
-              <a:t>(</a:t>
-            </a:r>
-            <a:r>
-              <a:rPr lang="zh-TW" altLang="en-US" sz="3600" dirty="0"/>
-              <a:t>可避免雙重副檔名</a:t>
-            </a:r>
-            <a:r>
-              <a:rPr lang="en-US" altLang="zh-TW" sz="3600" dirty="0"/>
-              <a:t>)</a:t>
-            </a:r>
-            <a:endParaRPr lang="zh-TW" altLang="en-US" sz="3600" dirty="0"/>
+            <a:pPr algn="ctr"/>
+            <a:r>
+              <a:rPr lang="zh-TW" altLang="en-US" sz="6600" dirty="0"/>
+              <a:t>作業</a:t>
+            </a:r>
+            <a:r>
+              <a:rPr lang="en-US" altLang="zh-TW" sz="6600" dirty="0"/>
+              <a:t>3</a:t>
+            </a:r>
+            <a:r>
+              <a:rPr lang="zh-TW" altLang="en-US" sz="6600" dirty="0"/>
+              <a:t>說明</a:t>
+            </a:r>
           </a:p>
         </p:txBody>
       </p:sp>
     </p:spTree>
     <p:extLst>
       <p:ext uri="{BB962C8B-B14F-4D97-AF65-F5344CB8AC3E}">
-        <p14:creationId xmlns:p14="http://schemas.microsoft.com/office/powerpoint/2010/main" val="3970520161"/>
+        <p14:creationId xmlns:p14="http://schemas.microsoft.com/office/powerpoint/2010/main" val="256114705"/>
       </p:ext>
     </p:extLst>
   </p:cSld>
@@ -5498,7 +5351,7 @@
           <p:cNvPr id="2" name="標題 1">
             <a:extLst>
               <a:ext uri="{FF2B5EF4-FFF2-40B4-BE49-F238E27FC236}">
-                <a16:creationId xmlns:a16="http://schemas.microsoft.com/office/drawing/2014/main" id="{80CE0A19-4D38-4D5C-A8BD-71445D1E0A01}"/>
+                <a16:creationId xmlns:a16="http://schemas.microsoft.com/office/drawing/2014/main" id="{0A00EBC9-71B2-4BDB-A608-CB078EECF455}"/>
               </a:ext>
             </a:extLst>
           </p:cNvPr>
@@ -5514,7 +5367,11 @@
           <a:bodyPr/>
           <a:lstStyle/>
           <a:p>
-            <a:endParaRPr lang="zh-TW" altLang="en-US"/>
+            <a:pPr algn="ctr"/>
+            <a:r>
+              <a:rPr lang="zh-TW" altLang="en-US" dirty="0"/>
+              <a:t>檔案命名規則</a:t>
+            </a:r>
           </a:p>
         </p:txBody>
       </p:sp>
@@ -5523,7 +5380,7 @@
           <p:cNvPr id="3" name="內容版面配置區 2">
             <a:extLst>
               <a:ext uri="{FF2B5EF4-FFF2-40B4-BE49-F238E27FC236}">
-                <a16:creationId xmlns:a16="http://schemas.microsoft.com/office/drawing/2014/main" id="{BF26688E-3C43-42B2-87E8-E2C148680952}"/>
+                <a16:creationId xmlns:a16="http://schemas.microsoft.com/office/drawing/2014/main" id="{F2703678-B255-4234-B670-300D8DE55A41}"/>
               </a:ext>
             </a:extLst>
           </p:cNvPr>
@@ -5534,55 +5391,176 @@
             <p:ph idx="1"/>
           </p:nvPr>
         </p:nvSpPr>
-        <p:spPr/>
+        <p:spPr>
+          <a:xfrm>
+            <a:off x="838199" y="1825625"/>
+            <a:ext cx="11216951" cy="4351338"/>
+          </a:xfrm>
+        </p:spPr>
         <p:txBody>
           <a:bodyPr>
-            <a:normAutofit/>
+            <a:normAutofit lnSpcReduction="10000"/>
           </a:bodyPr>
           <a:lstStyle/>
           <a:p>
-            <a:pPr marL="0" indent="0">
-              <a:buNone/>
-            </a:pPr>
             <a:r>
               <a:rPr lang="zh-TW" altLang="en-US" sz="3600" dirty="0"/>
-              <a:t>如用</a:t>
+              <a:t>名稱中不可以含有</a:t>
             </a:r>
             <a:r>
               <a:rPr lang="en-US" altLang="zh-TW" sz="3600" dirty="0"/>
-              <a:t>visual studio</a:t>
+              <a:t>\*?</a:t>
             </a:r>
             <a:r>
               <a:rPr lang="zh-TW" altLang="en-US" sz="3600" dirty="0"/>
-              <a:t>專案 </a:t>
+              <a:t>」</a:t>
             </a:r>
             <a:r>
               <a:rPr lang="en-US" altLang="zh-TW" sz="3600" dirty="0"/>
-              <a:t>-&gt; </a:t>
+              <a:t>&lt;&gt;|</a:t>
             </a:r>
             <a:r>
               <a:rPr lang="zh-TW" altLang="en-US" sz="3600" dirty="0"/>
-              <a:t>從專案中找出</a:t>
+              <a:t>等字元</a:t>
+            </a:r>
+            <a:endParaRPr lang="en-US" altLang="zh-TW" sz="3600" dirty="0"/>
+          </a:p>
+          <a:p>
+            <a:endParaRPr lang="en-US" altLang="zh-TW" sz="3600" dirty="0"/>
+          </a:p>
+          <a:p>
+            <a:r>
+              <a:rPr lang="zh-TW" altLang="en-US" sz="3600" dirty="0"/>
+              <a:t>盡量不要有</a:t>
+            </a:r>
+            <a:r>
+              <a:rPr lang="zh-TW" altLang="en-US" sz="3600" dirty="0">
+                <a:solidFill>
+                  <a:schemeClr val="accent4">
+                    <a:lumMod val="60000"/>
+                    <a:lumOff val="40000"/>
+                  </a:schemeClr>
+                </a:solidFill>
+              </a:rPr>
+              <a:t>空格</a:t>
+            </a:r>
+            <a:r>
+              <a:rPr lang="en-US" altLang="zh-TW" sz="3600" dirty="0">
+                <a:solidFill>
+                  <a:schemeClr val="accent4">
+                    <a:lumMod val="60000"/>
+                    <a:lumOff val="40000"/>
+                  </a:schemeClr>
+                </a:solidFill>
+              </a:rPr>
+              <a:t>		</a:t>
+            </a:r>
+            <a:r>
+              <a:rPr lang="en-US" altLang="zh-TW" sz="3600" dirty="0">
+                <a:solidFill>
+                  <a:prstClr val="white"/>
+                </a:solidFill>
+              </a:rPr>
+              <a:t>(ex. 1091234  1.cpp)</a:t>
+            </a:r>
+            <a:endParaRPr lang="en-US" altLang="zh-TW" sz="3600" dirty="0">
+              <a:solidFill>
+                <a:schemeClr val="accent4">
+                  <a:lumMod val="60000"/>
+                  <a:lumOff val="40000"/>
+                </a:schemeClr>
+              </a:solidFill>
+            </a:endParaRPr>
+          </a:p>
+          <a:p>
+            <a:endParaRPr lang="en-US" altLang="zh-TW" sz="3600" dirty="0"/>
+          </a:p>
+          <a:p>
+            <a:r>
+              <a:rPr lang="zh-TW" altLang="en-US" sz="3600" dirty="0"/>
+              <a:t>副檔名之前盡量不要有</a:t>
+            </a:r>
+            <a:r>
+              <a:rPr lang="en-US" altLang="zh-TW" sz="5400" dirty="0">
+                <a:solidFill>
+                  <a:schemeClr val="accent4">
+                    <a:lumMod val="60000"/>
+                    <a:lumOff val="40000"/>
+                  </a:schemeClr>
+                </a:solidFill>
+              </a:rPr>
+              <a:t>.</a:t>
+            </a:r>
+            <a:r>
+              <a:rPr lang="zh-TW" altLang="en-US" sz="3600" dirty="0">
+                <a:solidFill>
+                  <a:prstClr val="white"/>
+                </a:solidFill>
+              </a:rPr>
+              <a:t> </a:t>
+            </a:r>
+            <a:r>
+              <a:rPr lang="en-US" altLang="zh-TW" sz="3600" dirty="0">
+                <a:solidFill>
+                  <a:prstClr val="white"/>
+                </a:solidFill>
+              </a:rPr>
+              <a:t>	(ex. 1091234.test1.cpp)</a:t>
+            </a:r>
+            <a:endParaRPr lang="en-US" altLang="zh-TW" sz="5400" dirty="0"/>
+          </a:p>
+          <a:p>
+            <a:endParaRPr lang="en-US" altLang="zh-TW" sz="3600" dirty="0"/>
+          </a:p>
+          <a:p>
+            <a:r>
+              <a:rPr lang="zh-TW" altLang="en-US" sz="3600" dirty="0"/>
+              <a:t>檔案總管 </a:t>
             </a:r>
             <a:r>
               <a:rPr lang="en-US" altLang="zh-TW" sz="3600" dirty="0"/>
-              <a:t>.</a:t>
-            </a:r>
-            <a:r>
-              <a:rPr lang="en-US" altLang="zh-TW" sz="3600" dirty="0" err="1"/>
-              <a:t>cpp</a:t>
+              <a:t>&gt;</a:t>
             </a:r>
             <a:r>
               <a:rPr lang="zh-TW" altLang="en-US" sz="3600" dirty="0"/>
-              <a:t>上傳</a:t>
-            </a:r>
+              <a:t> 檢視 </a:t>
+            </a:r>
+            <a:r>
+              <a:rPr lang="en-US" altLang="zh-TW" sz="3600" dirty="0"/>
+              <a:t>&gt;</a:t>
+            </a:r>
+            <a:r>
+              <a:rPr lang="zh-TW" altLang="en-US" sz="3600" dirty="0"/>
+              <a:t> 顯示 </a:t>
+            </a:r>
+            <a:r>
+              <a:rPr lang="en-US" altLang="zh-TW" sz="3600" dirty="0"/>
+              <a:t>&gt; </a:t>
+            </a:r>
+            <a:r>
+              <a:rPr lang="zh-TW" altLang="en-US" sz="3600" dirty="0"/>
+              <a:t>副檔名  </a:t>
+            </a:r>
+            <a:r>
+              <a:rPr lang="en-US" altLang="zh-TW" sz="3600" dirty="0"/>
+              <a:t>(</a:t>
+            </a:r>
+            <a:r>
+              <a:rPr lang="zh-TW" altLang="en-US" sz="3600" dirty="0"/>
+              <a:t>可避免雙重副檔名</a:t>
+            </a:r>
+            <a:r>
+              <a:rPr lang="en-US" altLang="zh-TW" sz="3600" dirty="0"/>
+              <a:t>)</a:t>
+            </a:r>
+            <a:endParaRPr lang="zh-TW" altLang="en-US" sz="3600" dirty="0"/>
           </a:p>
         </p:txBody>
       </p:sp>
     </p:spTree>
     <p:extLst>
       <p:ext uri="{BB962C8B-B14F-4D97-AF65-F5344CB8AC3E}">
-        <p14:creationId xmlns:p14="http://schemas.microsoft.com/office/powerpoint/2010/main" val="4283631129"/>
+        <p14:creationId xmlns:p14="http://schemas.microsoft.com/office/powerpoint/2010/main" val="3970520161"/>
       </p:ext>
     </p:extLst>
   </p:cSld>
@@ -5614,6 +5592,122 @@
           <p:cNvPr id="2" name="標題 1">
             <a:extLst>
               <a:ext uri="{FF2B5EF4-FFF2-40B4-BE49-F238E27FC236}">
+                <a16:creationId xmlns:a16="http://schemas.microsoft.com/office/drawing/2014/main" id="{80CE0A19-4D38-4D5C-A8BD-71445D1E0A01}"/>
+              </a:ext>
+            </a:extLst>
+          </p:cNvPr>
+          <p:cNvSpPr>
+            <a:spLocks noGrp="1"/>
+          </p:cNvSpPr>
+          <p:nvPr>
+            <p:ph type="title"/>
+          </p:nvPr>
+        </p:nvSpPr>
+        <p:spPr/>
+        <p:txBody>
+          <a:bodyPr/>
+          <a:lstStyle/>
+          <a:p>
+            <a:endParaRPr lang="zh-TW" altLang="en-US"/>
+          </a:p>
+        </p:txBody>
+      </p:sp>
+      <p:sp>
+        <p:nvSpPr>
+          <p:cNvPr id="3" name="內容版面配置區 2">
+            <a:extLst>
+              <a:ext uri="{FF2B5EF4-FFF2-40B4-BE49-F238E27FC236}">
+                <a16:creationId xmlns:a16="http://schemas.microsoft.com/office/drawing/2014/main" id="{BF26688E-3C43-42B2-87E8-E2C148680952}"/>
+              </a:ext>
+            </a:extLst>
+          </p:cNvPr>
+          <p:cNvSpPr>
+            <a:spLocks noGrp="1"/>
+          </p:cNvSpPr>
+          <p:nvPr>
+            <p:ph idx="1"/>
+          </p:nvPr>
+        </p:nvSpPr>
+        <p:spPr/>
+        <p:txBody>
+          <a:bodyPr>
+            <a:normAutofit/>
+          </a:bodyPr>
+          <a:lstStyle/>
+          <a:p>
+            <a:pPr marL="0" indent="0">
+              <a:buNone/>
+            </a:pPr>
+            <a:r>
+              <a:rPr lang="zh-TW" altLang="en-US" sz="3600" dirty="0"/>
+              <a:t>如用</a:t>
+            </a:r>
+            <a:r>
+              <a:rPr lang="en-US" altLang="zh-TW" sz="3600" dirty="0"/>
+              <a:t>visual studio</a:t>
+            </a:r>
+            <a:r>
+              <a:rPr lang="zh-TW" altLang="en-US" sz="3600" dirty="0"/>
+              <a:t>專案 </a:t>
+            </a:r>
+            <a:r>
+              <a:rPr lang="en-US" altLang="zh-TW" sz="3600" dirty="0"/>
+              <a:t>-&gt; </a:t>
+            </a:r>
+            <a:r>
+              <a:rPr lang="zh-TW" altLang="en-US" sz="3600" dirty="0"/>
+              <a:t>從專案中找出</a:t>
+            </a:r>
+            <a:r>
+              <a:rPr lang="en-US" altLang="zh-TW" sz="3600" dirty="0"/>
+              <a:t>.</a:t>
+            </a:r>
+            <a:r>
+              <a:rPr lang="en-US" altLang="zh-TW" sz="3600" dirty="0" err="1"/>
+              <a:t>cpp</a:t>
+            </a:r>
+            <a:r>
+              <a:rPr lang="zh-TW" altLang="en-US" sz="3600" dirty="0"/>
+              <a:t>上傳</a:t>
+            </a:r>
+          </a:p>
+        </p:txBody>
+      </p:sp>
+    </p:spTree>
+    <p:extLst>
+      <p:ext uri="{BB962C8B-B14F-4D97-AF65-F5344CB8AC3E}">
+        <p14:creationId xmlns:p14="http://schemas.microsoft.com/office/powerpoint/2010/main" val="4283631129"/>
+      </p:ext>
+    </p:extLst>
+  </p:cSld>
+  <p:clrMapOvr>
+    <a:masterClrMapping/>
+  </p:clrMapOvr>
+</p:sld>
+</file>
+
+<file path=ppt/slides/slide23.xml><?xml version="1.0" encoding="utf-8"?>
+<p:sld xmlns:a="http://schemas.openxmlformats.org/drawingml/2006/main" xmlns:r="http://schemas.openxmlformats.org/officeDocument/2006/relationships" xmlns:p="http://schemas.openxmlformats.org/presentationml/2006/main">
+  <p:cSld>
+    <p:spTree>
+      <p:nvGrpSpPr>
+        <p:cNvPr id="1" name=""/>
+        <p:cNvGrpSpPr/>
+        <p:nvPr/>
+      </p:nvGrpSpPr>
+      <p:grpSpPr>
+        <a:xfrm>
+          <a:off x="0" y="0"/>
+          <a:ext cx="0" cy="0"/>
+          <a:chOff x="0" y="0"/>
+          <a:chExt cx="0" cy="0"/>
+        </a:xfrm>
+      </p:grpSpPr>
+      <p:sp>
+        <p:nvSpPr>
+          <p:cNvPr id="2" name="標題 1">
+            <a:extLst>
+              <a:ext uri="{FF2B5EF4-FFF2-40B4-BE49-F238E27FC236}">
                 <a16:creationId xmlns:a16="http://schemas.microsoft.com/office/drawing/2014/main" id="{A8F65587-EA76-4938-9AF0-F73F4ECC2286}"/>
               </a:ext>
             </a:extLst>
@@ -5715,7 +5809,7 @@
 </p:sld>
 </file>
 
-<file path=ppt/slides/slide23.xml><?xml version="1.0" encoding="utf-8"?>
+<file path=ppt/slides/slide24.xml><?xml version="1.0" encoding="utf-8"?>
 <p:sld xmlns:a="http://schemas.openxmlformats.org/drawingml/2006/main" xmlns:r="http://schemas.openxmlformats.org/officeDocument/2006/relationships" xmlns:p="http://schemas.openxmlformats.org/presentationml/2006/main">
   <p:cSld>
     <p:spTree>
@@ -5831,7 +5925,7 @@
 </p:sld>
 </file>
 
-<file path=ppt/slides/slide24.xml><?xml version="1.0" encoding="utf-8"?>
+<file path=ppt/slides/slide25.xml><?xml version="1.0" encoding="utf-8"?>
 <p:sld xmlns:a="http://schemas.openxmlformats.org/drawingml/2006/main" xmlns:r="http://schemas.openxmlformats.org/officeDocument/2006/relationships" xmlns:p="http://schemas.openxmlformats.org/presentationml/2006/main">
   <p:cSld>
     <p:spTree>
